--- a/innoq-tech-day-2024/img/compatibility.pptx
+++ b/innoq-tech-day-2024/img/compatibility.pptx
@@ -261,7 +261,7 @@
           <a:p>
             <a:fld id="{D412DD11-93D6-3445-9C45-5F61CE7F2E4E}" type="datetimeFigureOut">
               <a:rPr lang="en-CH" smtClean="0"/>
-              <a:t>13.11.2024</a:t>
+              <a:t>14.11.2024</a:t>
             </a:fld>
             <a:endParaRPr lang="en-CH"/>
           </a:p>
@@ -461,7 +461,7 @@
           <a:p>
             <a:fld id="{D412DD11-93D6-3445-9C45-5F61CE7F2E4E}" type="datetimeFigureOut">
               <a:rPr lang="en-CH" smtClean="0"/>
-              <a:t>13.11.2024</a:t>
+              <a:t>14.11.2024</a:t>
             </a:fld>
             <a:endParaRPr lang="en-CH"/>
           </a:p>
@@ -671,7 +671,7 @@
           <a:p>
             <a:fld id="{D412DD11-93D6-3445-9C45-5F61CE7F2E4E}" type="datetimeFigureOut">
               <a:rPr lang="en-CH" smtClean="0"/>
-              <a:t>13.11.2024</a:t>
+              <a:t>14.11.2024</a:t>
             </a:fld>
             <a:endParaRPr lang="en-CH"/>
           </a:p>
@@ -871,7 +871,7 @@
           <a:p>
             <a:fld id="{D412DD11-93D6-3445-9C45-5F61CE7F2E4E}" type="datetimeFigureOut">
               <a:rPr lang="en-CH" smtClean="0"/>
-              <a:t>13.11.2024</a:t>
+              <a:t>14.11.2024</a:t>
             </a:fld>
             <a:endParaRPr lang="en-CH"/>
           </a:p>
@@ -1147,7 +1147,7 @@
           <a:p>
             <a:fld id="{D412DD11-93D6-3445-9C45-5F61CE7F2E4E}" type="datetimeFigureOut">
               <a:rPr lang="en-CH" smtClean="0"/>
-              <a:t>13.11.2024</a:t>
+              <a:t>14.11.2024</a:t>
             </a:fld>
             <a:endParaRPr lang="en-CH"/>
           </a:p>
@@ -1415,7 +1415,7 @@
           <a:p>
             <a:fld id="{D412DD11-93D6-3445-9C45-5F61CE7F2E4E}" type="datetimeFigureOut">
               <a:rPr lang="en-CH" smtClean="0"/>
-              <a:t>13.11.2024</a:t>
+              <a:t>14.11.2024</a:t>
             </a:fld>
             <a:endParaRPr lang="en-CH"/>
           </a:p>
@@ -1830,7 +1830,7 @@
           <a:p>
             <a:fld id="{D412DD11-93D6-3445-9C45-5F61CE7F2E4E}" type="datetimeFigureOut">
               <a:rPr lang="en-CH" smtClean="0"/>
-              <a:t>13.11.2024</a:t>
+              <a:t>14.11.2024</a:t>
             </a:fld>
             <a:endParaRPr lang="en-CH"/>
           </a:p>
@@ -1972,7 +1972,7 @@
           <a:p>
             <a:fld id="{D412DD11-93D6-3445-9C45-5F61CE7F2E4E}" type="datetimeFigureOut">
               <a:rPr lang="en-CH" smtClean="0"/>
-              <a:t>13.11.2024</a:t>
+              <a:t>14.11.2024</a:t>
             </a:fld>
             <a:endParaRPr lang="en-CH"/>
           </a:p>
@@ -2085,7 +2085,7 @@
           <a:p>
             <a:fld id="{D412DD11-93D6-3445-9C45-5F61CE7F2E4E}" type="datetimeFigureOut">
               <a:rPr lang="en-CH" smtClean="0"/>
-              <a:t>13.11.2024</a:t>
+              <a:t>14.11.2024</a:t>
             </a:fld>
             <a:endParaRPr lang="en-CH"/>
           </a:p>
@@ -2398,7 +2398,7 @@
           <a:p>
             <a:fld id="{D412DD11-93D6-3445-9C45-5F61CE7F2E4E}" type="datetimeFigureOut">
               <a:rPr lang="en-CH" smtClean="0"/>
-              <a:t>13.11.2024</a:t>
+              <a:t>14.11.2024</a:t>
             </a:fld>
             <a:endParaRPr lang="en-CH"/>
           </a:p>
@@ -2687,7 +2687,7 @@
           <a:p>
             <a:fld id="{D412DD11-93D6-3445-9C45-5F61CE7F2E4E}" type="datetimeFigureOut">
               <a:rPr lang="en-CH" smtClean="0"/>
-              <a:t>13.11.2024</a:t>
+              <a:t>14.11.2024</a:t>
             </a:fld>
             <a:endParaRPr lang="en-CH"/>
           </a:p>
@@ -2930,7 +2930,7 @@
           <a:p>
             <a:fld id="{D412DD11-93D6-3445-9C45-5F61CE7F2E4E}" type="datetimeFigureOut">
               <a:rPr lang="en-CH" smtClean="0"/>
-              <a:t>13.11.2024</a:t>
+              <a:t>14.11.2024</a:t>
             </a:fld>
             <a:endParaRPr lang="en-CH"/>
           </a:p>
@@ -3842,8 +3842,8 @@
                 <a:lumOff val="90000"/>
               </a:schemeClr>
             </a:solidFill>
-            <a:headEnd type="triangle"/>
-            <a:tailEnd type="triangle"/>
+            <a:headEnd type="stealth" w="lg" len="lg"/>
+            <a:tailEnd type="none" w="lg" len="lg"/>
           </a:ln>
         </p:spPr>
         <p:style>
@@ -3890,8 +3890,8 @@
                 <a:lumOff val="90000"/>
               </a:schemeClr>
             </a:solidFill>
-            <a:headEnd type="triangle"/>
-            <a:tailEnd type="triangle"/>
+            <a:headEnd type="none"/>
+            <a:tailEnd type="stealth" w="lg" len="lg"/>
           </a:ln>
         </p:spPr>
         <p:style>
@@ -3938,8 +3938,8 @@
                 <a:lumOff val="90000"/>
               </a:schemeClr>
             </a:solidFill>
-            <a:headEnd type="triangle"/>
-            <a:tailEnd type="triangle"/>
+            <a:headEnd type="none"/>
+            <a:tailEnd type="stealth" w="lg" len="lg"/>
           </a:ln>
         </p:spPr>
         <p:style>
@@ -3986,8 +3986,8 @@
                 <a:lumOff val="90000"/>
               </a:schemeClr>
             </a:solidFill>
-            <a:headEnd type="triangle"/>
-            <a:tailEnd type="triangle"/>
+            <a:headEnd type="stealth" w="lg" len="lg"/>
+            <a:tailEnd type="none"/>
           </a:ln>
         </p:spPr>
         <p:style>
@@ -4019,7 +4019,7 @@
         </p:nvSpPr>
         <p:spPr>
           <a:xfrm>
-            <a:off x="8316063" y="3252529"/>
+            <a:off x="8235381" y="3252529"/>
             <a:ext cx="306696" cy="344557"/>
           </a:xfrm>
           <a:prstGeom prst="lightningBolt">
@@ -4073,7 +4073,7 @@
         </p:nvSpPr>
         <p:spPr>
           <a:xfrm>
-            <a:off x="3432150" y="3262512"/>
+            <a:off x="3512832" y="3262512"/>
             <a:ext cx="306696" cy="344557"/>
           </a:xfrm>
           <a:prstGeom prst="lightningBolt">

--- a/innoq-tech-day-2024/img/compatibility.pptx
+++ b/innoq-tech-day-2024/img/compatibility.pptx
@@ -6,6 +6,7 @@
   </p:sldMasterIdLst>
   <p:sldIdLst>
     <p:sldId id="256" r:id="rId2"/>
+    <p:sldId id="257" r:id="rId3"/>
   </p:sldIdLst>
   <p:sldSz cx="12192000" cy="6858000"/>
   <p:notesSz cx="6858000" cy="9144000"/>
@@ -261,7 +262,7 @@
           <a:p>
             <a:fld id="{D412DD11-93D6-3445-9C45-5F61CE7F2E4E}" type="datetimeFigureOut">
               <a:rPr lang="en-CH" smtClean="0"/>
-              <a:t>14.11.2024</a:t>
+              <a:t>26.11.2024</a:t>
             </a:fld>
             <a:endParaRPr lang="en-CH"/>
           </a:p>
@@ -461,7 +462,7 @@
           <a:p>
             <a:fld id="{D412DD11-93D6-3445-9C45-5F61CE7F2E4E}" type="datetimeFigureOut">
               <a:rPr lang="en-CH" smtClean="0"/>
-              <a:t>14.11.2024</a:t>
+              <a:t>26.11.2024</a:t>
             </a:fld>
             <a:endParaRPr lang="en-CH"/>
           </a:p>
@@ -671,7 +672,7 @@
           <a:p>
             <a:fld id="{D412DD11-93D6-3445-9C45-5F61CE7F2E4E}" type="datetimeFigureOut">
               <a:rPr lang="en-CH" smtClean="0"/>
-              <a:t>14.11.2024</a:t>
+              <a:t>26.11.2024</a:t>
             </a:fld>
             <a:endParaRPr lang="en-CH"/>
           </a:p>
@@ -871,7 +872,7 @@
           <a:p>
             <a:fld id="{D412DD11-93D6-3445-9C45-5F61CE7F2E4E}" type="datetimeFigureOut">
               <a:rPr lang="en-CH" smtClean="0"/>
-              <a:t>14.11.2024</a:t>
+              <a:t>26.11.2024</a:t>
             </a:fld>
             <a:endParaRPr lang="en-CH"/>
           </a:p>
@@ -1147,7 +1148,7 @@
           <a:p>
             <a:fld id="{D412DD11-93D6-3445-9C45-5F61CE7F2E4E}" type="datetimeFigureOut">
               <a:rPr lang="en-CH" smtClean="0"/>
-              <a:t>14.11.2024</a:t>
+              <a:t>26.11.2024</a:t>
             </a:fld>
             <a:endParaRPr lang="en-CH"/>
           </a:p>
@@ -1415,7 +1416,7 @@
           <a:p>
             <a:fld id="{D412DD11-93D6-3445-9C45-5F61CE7F2E4E}" type="datetimeFigureOut">
               <a:rPr lang="en-CH" smtClean="0"/>
-              <a:t>14.11.2024</a:t>
+              <a:t>26.11.2024</a:t>
             </a:fld>
             <a:endParaRPr lang="en-CH"/>
           </a:p>
@@ -1830,7 +1831,7 @@
           <a:p>
             <a:fld id="{D412DD11-93D6-3445-9C45-5F61CE7F2E4E}" type="datetimeFigureOut">
               <a:rPr lang="en-CH" smtClean="0"/>
-              <a:t>14.11.2024</a:t>
+              <a:t>26.11.2024</a:t>
             </a:fld>
             <a:endParaRPr lang="en-CH"/>
           </a:p>
@@ -1972,7 +1973,7 @@
           <a:p>
             <a:fld id="{D412DD11-93D6-3445-9C45-5F61CE7F2E4E}" type="datetimeFigureOut">
               <a:rPr lang="en-CH" smtClean="0"/>
-              <a:t>14.11.2024</a:t>
+              <a:t>26.11.2024</a:t>
             </a:fld>
             <a:endParaRPr lang="en-CH"/>
           </a:p>
@@ -2085,7 +2086,7 @@
           <a:p>
             <a:fld id="{D412DD11-93D6-3445-9C45-5F61CE7F2E4E}" type="datetimeFigureOut">
               <a:rPr lang="en-CH" smtClean="0"/>
-              <a:t>14.11.2024</a:t>
+              <a:t>26.11.2024</a:t>
             </a:fld>
             <a:endParaRPr lang="en-CH"/>
           </a:p>
@@ -2398,7 +2399,7 @@
           <a:p>
             <a:fld id="{D412DD11-93D6-3445-9C45-5F61CE7F2E4E}" type="datetimeFigureOut">
               <a:rPr lang="en-CH" smtClean="0"/>
-              <a:t>14.11.2024</a:t>
+              <a:t>26.11.2024</a:t>
             </a:fld>
             <a:endParaRPr lang="en-CH"/>
           </a:p>
@@ -2687,7 +2688,7 @@
           <a:p>
             <a:fld id="{D412DD11-93D6-3445-9C45-5F61CE7F2E4E}" type="datetimeFigureOut">
               <a:rPr lang="en-CH" smtClean="0"/>
-              <a:t>14.11.2024</a:t>
+              <a:t>26.11.2024</a:t>
             </a:fld>
             <a:endParaRPr lang="en-CH"/>
           </a:p>
@@ -2930,7 +2931,7 @@
           <a:p>
             <a:fld id="{D412DD11-93D6-3445-9C45-5F61CE7F2E4E}" type="datetimeFigureOut">
               <a:rPr lang="en-CH" smtClean="0"/>
-              <a:t>14.11.2024</a:t>
+              <a:t>26.11.2024</a:t>
             </a:fld>
             <a:endParaRPr lang="en-CH"/>
           </a:p>
@@ -4126,6 +4127,1029 @@
 </p:sld>
 </file>
 
+<file path=ppt/slides/slide2.xml><?xml version="1.0" encoding="utf-8"?>
+<p:sld xmlns:a="http://schemas.openxmlformats.org/drawingml/2006/main" xmlns:r="http://schemas.openxmlformats.org/officeDocument/2006/relationships" xmlns:p="http://schemas.openxmlformats.org/presentationml/2006/main">
+  <p:cSld>
+    <p:spTree>
+      <p:nvGrpSpPr>
+        <p:cNvPr id="1" name="">
+          <a:extLst>
+            <a:ext uri="{FF2B5EF4-FFF2-40B4-BE49-F238E27FC236}">
+              <a16:creationId xmlns:a16="http://schemas.microsoft.com/office/drawing/2014/main" id="{B3E6E038-CC37-4553-684F-644AC4D2BBE3}"/>
+            </a:ext>
+          </a:extLst>
+        </p:cNvPr>
+        <p:cNvGrpSpPr/>
+        <p:nvPr/>
+      </p:nvGrpSpPr>
+      <p:grpSpPr>
+        <a:xfrm>
+          <a:off x="0" y="0"/>
+          <a:ext cx="0" cy="0"/>
+          <a:chOff x="0" y="0"/>
+          <a:chExt cx="0" cy="0"/>
+        </a:xfrm>
+      </p:grpSpPr>
+      <p:sp>
+        <p:nvSpPr>
+          <p:cNvPr id="4" name="Right Arrow 3">
+            <a:extLst>
+              <a:ext uri="{FF2B5EF4-FFF2-40B4-BE49-F238E27FC236}">
+                <a16:creationId xmlns:a16="http://schemas.microsoft.com/office/drawing/2014/main" id="{42FBBB91-32CE-B6F7-FC0D-6FED75B1E568}"/>
+              </a:ext>
+            </a:extLst>
+          </p:cNvPr>
+          <p:cNvSpPr/>
+          <p:nvPr/>
+        </p:nvSpPr>
+        <p:spPr>
+          <a:xfrm>
+            <a:off x="1298027" y="2709286"/>
+            <a:ext cx="9587075" cy="1447800"/>
+          </a:xfrm>
+          <a:prstGeom prst="rightArrow">
+            <a:avLst/>
+          </a:prstGeom>
+        </p:spPr>
+        <p:style>
+          <a:lnRef idx="2">
+            <a:schemeClr val="accent1">
+              <a:shade val="15000"/>
+            </a:schemeClr>
+          </a:lnRef>
+          <a:fillRef idx="1">
+            <a:schemeClr val="accent1"/>
+          </a:fillRef>
+          <a:effectRef idx="0">
+            <a:schemeClr val="accent1"/>
+          </a:effectRef>
+          <a:fontRef idx="minor">
+            <a:schemeClr val="lt1"/>
+          </a:fontRef>
+        </p:style>
+        <p:txBody>
+          <a:bodyPr rtlCol="0" anchor="ctr"/>
+          <a:lstStyle/>
+          <a:p>
+            <a:pPr algn="ctr"/>
+            <a:endParaRPr lang="en-CH"/>
+          </a:p>
+        </p:txBody>
+      </p:sp>
+      <p:sp>
+        <p:nvSpPr>
+          <p:cNvPr id="13" name="TextBox 12">
+            <a:extLst>
+              <a:ext uri="{FF2B5EF4-FFF2-40B4-BE49-F238E27FC236}">
+                <a16:creationId xmlns:a16="http://schemas.microsoft.com/office/drawing/2014/main" id="{6892423F-95D1-30E8-A732-45DBCFA3DB8B}"/>
+              </a:ext>
+            </a:extLst>
+          </p:cNvPr>
+          <p:cNvSpPr txBox="1"/>
+          <p:nvPr/>
+        </p:nvSpPr>
+        <p:spPr>
+          <a:xfrm>
+            <a:off x="2678498" y="3136609"/>
+            <a:ext cx="346569" cy="584775"/>
+          </a:xfrm>
+          <a:prstGeom prst="rect">
+            <a:avLst/>
+          </a:prstGeom>
+          <a:noFill/>
+        </p:spPr>
+        <p:txBody>
+          <a:bodyPr wrap="none" rtlCol="0">
+            <a:spAutoFit/>
+          </a:bodyPr>
+          <a:lstStyle/>
+          <a:p>
+            <a:pPr algn="ctr"/>
+            <a:r>
+              <a:rPr lang="en-CH" sz="3200" dirty="0">
+                <a:solidFill>
+                  <a:schemeClr val="tx2">
+                    <a:lumMod val="10000"/>
+                    <a:lumOff val="90000"/>
+                  </a:schemeClr>
+                </a:solidFill>
+                <a:latin typeface="Ford Antenna Medium" panose="02000505000000020004" pitchFamily="2" charset="0"/>
+              </a:rPr>
+              <a:t>1</a:t>
+            </a:r>
+          </a:p>
+        </p:txBody>
+      </p:sp>
+      <p:sp>
+        <p:nvSpPr>
+          <p:cNvPr id="14" name="TextBox 13">
+            <a:extLst>
+              <a:ext uri="{FF2B5EF4-FFF2-40B4-BE49-F238E27FC236}">
+                <a16:creationId xmlns:a16="http://schemas.microsoft.com/office/drawing/2014/main" id="{FFCB550F-0D4C-5DF4-50A6-CD85E907A951}"/>
+              </a:ext>
+            </a:extLst>
+          </p:cNvPr>
+          <p:cNvSpPr txBox="1"/>
+          <p:nvPr/>
+        </p:nvSpPr>
+        <p:spPr>
+          <a:xfrm>
+            <a:off x="4267354" y="3136609"/>
+            <a:ext cx="437940" cy="584775"/>
+          </a:xfrm>
+          <a:prstGeom prst="rect">
+            <a:avLst/>
+          </a:prstGeom>
+          <a:noFill/>
+        </p:spPr>
+        <p:txBody>
+          <a:bodyPr wrap="none" rtlCol="0">
+            <a:spAutoFit/>
+          </a:bodyPr>
+          <a:lstStyle/>
+          <a:p>
+            <a:pPr algn="ctr"/>
+            <a:r>
+              <a:rPr lang="en-CH" sz="3200" dirty="0">
+                <a:solidFill>
+                  <a:schemeClr val="tx2">
+                    <a:lumMod val="10000"/>
+                    <a:lumOff val="90000"/>
+                  </a:schemeClr>
+                </a:solidFill>
+                <a:latin typeface="Ford Antenna Medium" panose="02000505000000020004" pitchFamily="2" charset="0"/>
+              </a:rPr>
+              <a:t>2</a:t>
+            </a:r>
+          </a:p>
+        </p:txBody>
+      </p:sp>
+      <p:sp>
+        <p:nvSpPr>
+          <p:cNvPr id="16" name="TextBox 15">
+            <a:extLst>
+              <a:ext uri="{FF2B5EF4-FFF2-40B4-BE49-F238E27FC236}">
+                <a16:creationId xmlns:a16="http://schemas.microsoft.com/office/drawing/2014/main" id="{9C66972D-1654-F677-2155-4973C725834B}"/>
+              </a:ext>
+            </a:extLst>
+          </p:cNvPr>
+          <p:cNvSpPr txBox="1"/>
+          <p:nvPr/>
+        </p:nvSpPr>
+        <p:spPr>
+          <a:xfrm>
+            <a:off x="5947582" y="3136609"/>
+            <a:ext cx="442749" cy="584775"/>
+          </a:xfrm>
+          <a:prstGeom prst="rect">
+            <a:avLst/>
+          </a:prstGeom>
+          <a:noFill/>
+        </p:spPr>
+        <p:txBody>
+          <a:bodyPr wrap="none" rtlCol="0">
+            <a:spAutoFit/>
+          </a:bodyPr>
+          <a:lstStyle/>
+          <a:p>
+            <a:pPr algn="ctr"/>
+            <a:r>
+              <a:rPr lang="en-CH" sz="3200" dirty="0">
+                <a:solidFill>
+                  <a:schemeClr val="tx2">
+                    <a:lumMod val="10000"/>
+                    <a:lumOff val="90000"/>
+                  </a:schemeClr>
+                </a:solidFill>
+                <a:latin typeface="Ford Antenna Medium" panose="02000505000000020004" pitchFamily="2" charset="0"/>
+              </a:rPr>
+              <a:t>3</a:t>
+            </a:r>
+          </a:p>
+        </p:txBody>
+      </p:sp>
+      <p:sp>
+        <p:nvSpPr>
+          <p:cNvPr id="17" name="TextBox 16">
+            <a:extLst>
+              <a:ext uri="{FF2B5EF4-FFF2-40B4-BE49-F238E27FC236}">
+                <a16:creationId xmlns:a16="http://schemas.microsoft.com/office/drawing/2014/main" id="{1B91E54E-5231-D146-7881-7675241A8219}"/>
+              </a:ext>
+            </a:extLst>
+          </p:cNvPr>
+          <p:cNvSpPr txBox="1"/>
+          <p:nvPr/>
+        </p:nvSpPr>
+        <p:spPr>
+          <a:xfrm>
+            <a:off x="9106958" y="3136608"/>
+            <a:ext cx="452367" cy="584775"/>
+          </a:xfrm>
+          <a:prstGeom prst="rect">
+            <a:avLst/>
+          </a:prstGeom>
+          <a:noFill/>
+        </p:spPr>
+        <p:txBody>
+          <a:bodyPr wrap="none" rtlCol="0">
+            <a:spAutoFit/>
+          </a:bodyPr>
+          <a:lstStyle/>
+          <a:p>
+            <a:pPr algn="ctr"/>
+            <a:r>
+              <a:rPr lang="en-CH" sz="3200" dirty="0">
+                <a:solidFill>
+                  <a:schemeClr val="tx2">
+                    <a:lumMod val="10000"/>
+                    <a:lumOff val="90000"/>
+                  </a:schemeClr>
+                </a:solidFill>
+                <a:latin typeface="Ford Antenna Medium" panose="02000505000000020004" pitchFamily="2" charset="0"/>
+              </a:rPr>
+              <a:t>5</a:t>
+            </a:r>
+          </a:p>
+        </p:txBody>
+      </p:sp>
+      <p:sp>
+        <p:nvSpPr>
+          <p:cNvPr id="19" name="TextBox 18">
+            <a:extLst>
+              <a:ext uri="{FF2B5EF4-FFF2-40B4-BE49-F238E27FC236}">
+                <a16:creationId xmlns:a16="http://schemas.microsoft.com/office/drawing/2014/main" id="{C4BAEFEA-ACEF-CFAD-F00F-255A9D85A7E9}"/>
+              </a:ext>
+            </a:extLst>
+          </p:cNvPr>
+          <p:cNvSpPr txBox="1"/>
+          <p:nvPr/>
+        </p:nvSpPr>
+        <p:spPr>
+          <a:xfrm>
+            <a:off x="7441060" y="3136608"/>
+            <a:ext cx="465192" cy="584775"/>
+          </a:xfrm>
+          <a:prstGeom prst="rect">
+            <a:avLst/>
+          </a:prstGeom>
+          <a:noFill/>
+        </p:spPr>
+        <p:txBody>
+          <a:bodyPr wrap="none" rtlCol="0">
+            <a:spAutoFit/>
+          </a:bodyPr>
+          <a:lstStyle/>
+          <a:p>
+            <a:pPr algn="ctr"/>
+            <a:r>
+              <a:rPr lang="en-CH" sz="3200" dirty="0">
+                <a:solidFill>
+                  <a:schemeClr val="tx2">
+                    <a:lumMod val="10000"/>
+                    <a:lumOff val="90000"/>
+                  </a:schemeClr>
+                </a:solidFill>
+                <a:latin typeface="Ford Antenna Medium" panose="02000505000000020004" pitchFamily="2" charset="0"/>
+              </a:rPr>
+              <a:t>4</a:t>
+            </a:r>
+          </a:p>
+        </p:txBody>
+      </p:sp>
+      <p:sp>
+        <p:nvSpPr>
+          <p:cNvPr id="20" name="TextBox 19">
+            <a:extLst>
+              <a:ext uri="{FF2B5EF4-FFF2-40B4-BE49-F238E27FC236}">
+                <a16:creationId xmlns:a16="http://schemas.microsoft.com/office/drawing/2014/main" id="{B4E1980C-6703-9BA8-5C91-119729CDE598}"/>
+              </a:ext>
+            </a:extLst>
+          </p:cNvPr>
+          <p:cNvSpPr txBox="1"/>
+          <p:nvPr/>
+        </p:nvSpPr>
+        <p:spPr>
+          <a:xfrm>
+            <a:off x="2678498" y="4331427"/>
+            <a:ext cx="1362874" cy="523220"/>
+          </a:xfrm>
+          <a:prstGeom prst="rect">
+            <a:avLst/>
+          </a:prstGeom>
+          <a:noFill/>
+        </p:spPr>
+        <p:txBody>
+          <a:bodyPr wrap="none" rtlCol="0">
+            <a:spAutoFit/>
+          </a:bodyPr>
+          <a:lstStyle/>
+          <a:p>
+            <a:r>
+              <a:rPr lang="en-CH" sz="2800" dirty="0">
+                <a:solidFill>
+                  <a:schemeClr val="accent1"/>
+                </a:solidFill>
+                <a:latin typeface="Ford Antenna Medium" panose="02000505000000020004" pitchFamily="2" charset="0"/>
+              </a:rPr>
+              <a:t>App v1</a:t>
+            </a:r>
+          </a:p>
+        </p:txBody>
+      </p:sp>
+      <p:sp>
+        <p:nvSpPr>
+          <p:cNvPr id="23" name="TextBox 22">
+            <a:extLst>
+              <a:ext uri="{FF2B5EF4-FFF2-40B4-BE49-F238E27FC236}">
+                <a16:creationId xmlns:a16="http://schemas.microsoft.com/office/drawing/2014/main" id="{C1271761-BCB2-AA7B-5199-F3B7636F8284}"/>
+              </a:ext>
+            </a:extLst>
+          </p:cNvPr>
+          <p:cNvSpPr txBox="1"/>
+          <p:nvPr/>
+        </p:nvSpPr>
+        <p:spPr>
+          <a:xfrm>
+            <a:off x="8160869" y="2009403"/>
+            <a:ext cx="1455848" cy="523220"/>
+          </a:xfrm>
+          <a:prstGeom prst="rect">
+            <a:avLst/>
+          </a:prstGeom>
+          <a:noFill/>
+        </p:spPr>
+        <p:txBody>
+          <a:bodyPr wrap="none" rtlCol="0">
+            <a:spAutoFit/>
+          </a:bodyPr>
+          <a:lstStyle/>
+          <a:p>
+            <a:pPr algn="r"/>
+            <a:r>
+              <a:rPr lang="en-CH" sz="2800" dirty="0">
+                <a:solidFill>
+                  <a:schemeClr val="accent1"/>
+                </a:solidFill>
+                <a:latin typeface="Ford Antenna Medium" panose="02000505000000020004" pitchFamily="2" charset="0"/>
+              </a:rPr>
+              <a:t>App v5</a:t>
+            </a:r>
+          </a:p>
+        </p:txBody>
+      </p:sp>
+      <p:cxnSp>
+        <p:nvCxnSpPr>
+          <p:cNvPr id="34" name="Straight Arrow Connector 33">
+            <a:extLst>
+              <a:ext uri="{FF2B5EF4-FFF2-40B4-BE49-F238E27FC236}">
+                <a16:creationId xmlns:a16="http://schemas.microsoft.com/office/drawing/2014/main" id="{482A9E69-3F02-B921-2F32-EC1319499C7F}"/>
+              </a:ext>
+            </a:extLst>
+          </p:cNvPr>
+          <p:cNvCxnSpPr>
+            <a:cxnSpLocks/>
+          </p:cNvCxnSpPr>
+          <p:nvPr/>
+        </p:nvCxnSpPr>
+        <p:spPr>
+          <a:xfrm>
+            <a:off x="6563445" y="3424807"/>
+            <a:ext cx="616575" cy="0"/>
+          </a:xfrm>
+          <a:prstGeom prst="straightConnector1">
+            <a:avLst/>
+          </a:prstGeom>
+          <a:ln w="41275">
+            <a:solidFill>
+              <a:schemeClr val="tx2">
+                <a:lumMod val="10000"/>
+                <a:lumOff val="90000"/>
+              </a:schemeClr>
+            </a:solidFill>
+            <a:headEnd type="none"/>
+            <a:tailEnd type="stealth" w="lg" len="lg"/>
+          </a:ln>
+        </p:spPr>
+        <p:style>
+          <a:lnRef idx="2">
+            <a:schemeClr val="accent1"/>
+          </a:lnRef>
+          <a:fillRef idx="0">
+            <a:schemeClr val="accent1"/>
+          </a:fillRef>
+          <a:effectRef idx="1">
+            <a:schemeClr val="accent1"/>
+          </a:effectRef>
+          <a:fontRef idx="minor">
+            <a:schemeClr val="tx1"/>
+          </a:fontRef>
+        </p:style>
+      </p:cxnSp>
+      <p:cxnSp>
+        <p:nvCxnSpPr>
+          <p:cNvPr id="35" name="Straight Arrow Connector 34">
+            <a:extLst>
+              <a:ext uri="{FF2B5EF4-FFF2-40B4-BE49-F238E27FC236}">
+                <a16:creationId xmlns:a16="http://schemas.microsoft.com/office/drawing/2014/main" id="{599FD7CF-68ED-C311-7C9E-8705C6F6EDA4}"/>
+              </a:ext>
+            </a:extLst>
+          </p:cNvPr>
+          <p:cNvCxnSpPr>
+            <a:cxnSpLocks/>
+          </p:cNvCxnSpPr>
+          <p:nvPr/>
+        </p:nvCxnSpPr>
+        <p:spPr>
+          <a:xfrm>
+            <a:off x="8160869" y="3437179"/>
+            <a:ext cx="616575" cy="0"/>
+          </a:xfrm>
+          <a:prstGeom prst="straightConnector1">
+            <a:avLst/>
+          </a:prstGeom>
+          <a:ln w="41275">
+            <a:solidFill>
+              <a:schemeClr val="tx2">
+                <a:lumMod val="10000"/>
+                <a:lumOff val="90000"/>
+              </a:schemeClr>
+            </a:solidFill>
+            <a:headEnd type="none"/>
+            <a:tailEnd type="stealth" w="lg" len="lg"/>
+          </a:ln>
+        </p:spPr>
+        <p:style>
+          <a:lnRef idx="2">
+            <a:schemeClr val="accent1"/>
+          </a:lnRef>
+          <a:fillRef idx="0">
+            <a:schemeClr val="accent1"/>
+          </a:fillRef>
+          <a:effectRef idx="1">
+            <a:schemeClr val="accent1"/>
+          </a:effectRef>
+          <a:fontRef idx="minor">
+            <a:schemeClr val="tx1"/>
+          </a:fontRef>
+        </p:style>
+      </p:cxnSp>
+      <p:sp>
+        <p:nvSpPr>
+          <p:cNvPr id="28" name="Lightning Bolt 27">
+            <a:extLst>
+              <a:ext uri="{FF2B5EF4-FFF2-40B4-BE49-F238E27FC236}">
+                <a16:creationId xmlns:a16="http://schemas.microsoft.com/office/drawing/2014/main" id="{B1A6F980-6B2C-99E3-7606-043C801F8C2D}"/>
+              </a:ext>
+            </a:extLst>
+          </p:cNvPr>
+          <p:cNvSpPr/>
+          <p:nvPr/>
+        </p:nvSpPr>
+        <p:spPr>
+          <a:xfrm>
+            <a:off x="8235381" y="3252529"/>
+            <a:ext cx="306696" cy="344557"/>
+          </a:xfrm>
+          <a:prstGeom prst="lightningBolt">
+            <a:avLst/>
+          </a:prstGeom>
+          <a:solidFill>
+            <a:schemeClr val="accent2"/>
+          </a:solidFill>
+          <a:ln>
+            <a:solidFill>
+              <a:srgbClr val="FFFF00"/>
+            </a:solidFill>
+          </a:ln>
+        </p:spPr>
+        <p:style>
+          <a:lnRef idx="2">
+            <a:schemeClr val="accent1">
+              <a:shade val="15000"/>
+            </a:schemeClr>
+          </a:lnRef>
+          <a:fillRef idx="1">
+            <a:schemeClr val="accent1"/>
+          </a:fillRef>
+          <a:effectRef idx="0">
+            <a:schemeClr val="accent1"/>
+          </a:effectRef>
+          <a:fontRef idx="minor">
+            <a:schemeClr val="lt1"/>
+          </a:fontRef>
+        </p:style>
+        <p:txBody>
+          <a:bodyPr rtlCol="0" anchor="ctr"/>
+          <a:lstStyle/>
+          <a:p>
+            <a:pPr algn="ctr"/>
+            <a:endParaRPr lang="en-CH"/>
+          </a:p>
+        </p:txBody>
+      </p:sp>
+      <p:sp>
+        <p:nvSpPr>
+          <p:cNvPr id="5" name="Lightning Bolt 4">
+            <a:extLst>
+              <a:ext uri="{FF2B5EF4-FFF2-40B4-BE49-F238E27FC236}">
+                <a16:creationId xmlns:a16="http://schemas.microsoft.com/office/drawing/2014/main" id="{C4718D88-5593-4C0A-BF62-E2014FAE4448}"/>
+              </a:ext>
+            </a:extLst>
+          </p:cNvPr>
+          <p:cNvSpPr/>
+          <p:nvPr/>
+        </p:nvSpPr>
+        <p:spPr>
+          <a:xfrm>
+            <a:off x="6655339" y="3262512"/>
+            <a:ext cx="306696" cy="344557"/>
+          </a:xfrm>
+          <a:prstGeom prst="lightningBolt">
+            <a:avLst/>
+          </a:prstGeom>
+          <a:solidFill>
+            <a:schemeClr val="accent2"/>
+          </a:solidFill>
+          <a:ln>
+            <a:solidFill>
+              <a:srgbClr val="FFFF00"/>
+            </a:solidFill>
+          </a:ln>
+        </p:spPr>
+        <p:style>
+          <a:lnRef idx="2">
+            <a:schemeClr val="accent1">
+              <a:shade val="15000"/>
+            </a:schemeClr>
+          </a:lnRef>
+          <a:fillRef idx="1">
+            <a:schemeClr val="accent1"/>
+          </a:fillRef>
+          <a:effectRef idx="0">
+            <a:schemeClr val="accent1"/>
+          </a:effectRef>
+          <a:fontRef idx="minor">
+            <a:schemeClr val="lt1"/>
+          </a:fontRef>
+        </p:style>
+        <p:txBody>
+          <a:bodyPr rtlCol="0" anchor="ctr"/>
+          <a:lstStyle/>
+          <a:p>
+            <a:pPr algn="ctr"/>
+            <a:endParaRPr lang="en-CH"/>
+          </a:p>
+        </p:txBody>
+      </p:sp>
+      <p:cxnSp>
+        <p:nvCxnSpPr>
+          <p:cNvPr id="6" name="Straight Arrow Connector 5">
+            <a:extLst>
+              <a:ext uri="{FF2B5EF4-FFF2-40B4-BE49-F238E27FC236}">
+                <a16:creationId xmlns:a16="http://schemas.microsoft.com/office/drawing/2014/main" id="{8ED84D80-FD35-DD4E-92C1-EA9AA2914006}"/>
+              </a:ext>
+            </a:extLst>
+          </p:cNvPr>
+          <p:cNvCxnSpPr>
+            <a:cxnSpLocks/>
+          </p:cNvCxnSpPr>
+          <p:nvPr/>
+        </p:nvCxnSpPr>
+        <p:spPr>
+          <a:xfrm>
+            <a:off x="5079612" y="3427195"/>
+            <a:ext cx="616575" cy="0"/>
+          </a:xfrm>
+          <a:prstGeom prst="straightConnector1">
+            <a:avLst/>
+          </a:prstGeom>
+          <a:ln w="41275">
+            <a:solidFill>
+              <a:schemeClr val="tx2">
+                <a:lumMod val="10000"/>
+                <a:lumOff val="90000"/>
+              </a:schemeClr>
+            </a:solidFill>
+            <a:headEnd type="none"/>
+            <a:tailEnd type="stealth" w="lg" len="lg"/>
+          </a:ln>
+        </p:spPr>
+        <p:style>
+          <a:lnRef idx="2">
+            <a:schemeClr val="accent1"/>
+          </a:lnRef>
+          <a:fillRef idx="0">
+            <a:schemeClr val="accent1"/>
+          </a:fillRef>
+          <a:effectRef idx="1">
+            <a:schemeClr val="accent1"/>
+          </a:effectRef>
+          <a:fontRef idx="minor">
+            <a:schemeClr val="tx1"/>
+          </a:fontRef>
+        </p:style>
+      </p:cxnSp>
+      <p:sp>
+        <p:nvSpPr>
+          <p:cNvPr id="7" name="Lightning Bolt 6">
+            <a:extLst>
+              <a:ext uri="{FF2B5EF4-FFF2-40B4-BE49-F238E27FC236}">
+                <a16:creationId xmlns:a16="http://schemas.microsoft.com/office/drawing/2014/main" id="{772D0B15-53AF-A73C-DA32-881DFF545F03}"/>
+              </a:ext>
+            </a:extLst>
+          </p:cNvPr>
+          <p:cNvSpPr/>
+          <p:nvPr/>
+        </p:nvSpPr>
+        <p:spPr>
+          <a:xfrm>
+            <a:off x="5171506" y="3264900"/>
+            <a:ext cx="306696" cy="344557"/>
+          </a:xfrm>
+          <a:prstGeom prst="lightningBolt">
+            <a:avLst/>
+          </a:prstGeom>
+          <a:solidFill>
+            <a:schemeClr val="accent2"/>
+          </a:solidFill>
+          <a:ln>
+            <a:solidFill>
+              <a:srgbClr val="FFFF00"/>
+            </a:solidFill>
+          </a:ln>
+        </p:spPr>
+        <p:style>
+          <a:lnRef idx="2">
+            <a:schemeClr val="accent1">
+              <a:shade val="15000"/>
+            </a:schemeClr>
+          </a:lnRef>
+          <a:fillRef idx="1">
+            <a:schemeClr val="accent1"/>
+          </a:fillRef>
+          <a:effectRef idx="0">
+            <a:schemeClr val="accent1"/>
+          </a:effectRef>
+          <a:fontRef idx="minor">
+            <a:schemeClr val="lt1"/>
+          </a:fontRef>
+        </p:style>
+        <p:txBody>
+          <a:bodyPr rtlCol="0" anchor="ctr"/>
+          <a:lstStyle/>
+          <a:p>
+            <a:pPr algn="ctr"/>
+            <a:endParaRPr lang="en-CH"/>
+          </a:p>
+        </p:txBody>
+      </p:sp>
+      <p:cxnSp>
+        <p:nvCxnSpPr>
+          <p:cNvPr id="8" name="Straight Arrow Connector 7">
+            <a:extLst>
+              <a:ext uri="{FF2B5EF4-FFF2-40B4-BE49-F238E27FC236}">
+                <a16:creationId xmlns:a16="http://schemas.microsoft.com/office/drawing/2014/main" id="{67095363-1161-C884-5BA0-2D22A1FBDC2B}"/>
+              </a:ext>
+            </a:extLst>
+          </p:cNvPr>
+          <p:cNvCxnSpPr>
+            <a:cxnSpLocks/>
+          </p:cNvCxnSpPr>
+          <p:nvPr/>
+        </p:nvCxnSpPr>
+        <p:spPr>
+          <a:xfrm>
+            <a:off x="3399384" y="3430040"/>
+            <a:ext cx="616575" cy="0"/>
+          </a:xfrm>
+          <a:prstGeom prst="straightConnector1">
+            <a:avLst/>
+          </a:prstGeom>
+          <a:ln w="41275">
+            <a:solidFill>
+              <a:schemeClr val="tx2">
+                <a:lumMod val="10000"/>
+                <a:lumOff val="90000"/>
+              </a:schemeClr>
+            </a:solidFill>
+            <a:headEnd type="none"/>
+            <a:tailEnd type="stealth" w="lg" len="lg"/>
+          </a:ln>
+        </p:spPr>
+        <p:style>
+          <a:lnRef idx="2">
+            <a:schemeClr val="accent1"/>
+          </a:lnRef>
+          <a:fillRef idx="0">
+            <a:schemeClr val="accent1"/>
+          </a:fillRef>
+          <a:effectRef idx="1">
+            <a:schemeClr val="accent1"/>
+          </a:effectRef>
+          <a:fontRef idx="minor">
+            <a:schemeClr val="tx1"/>
+          </a:fontRef>
+        </p:style>
+      </p:cxnSp>
+      <p:sp>
+        <p:nvSpPr>
+          <p:cNvPr id="9" name="Lightning Bolt 8">
+            <a:extLst>
+              <a:ext uri="{FF2B5EF4-FFF2-40B4-BE49-F238E27FC236}">
+                <a16:creationId xmlns:a16="http://schemas.microsoft.com/office/drawing/2014/main" id="{B615171B-D0F1-3EE6-B398-9541537B3223}"/>
+              </a:ext>
+            </a:extLst>
+          </p:cNvPr>
+          <p:cNvSpPr/>
+          <p:nvPr/>
+        </p:nvSpPr>
+        <p:spPr>
+          <a:xfrm>
+            <a:off x="3491278" y="3267745"/>
+            <a:ext cx="306696" cy="344557"/>
+          </a:xfrm>
+          <a:prstGeom prst="lightningBolt">
+            <a:avLst/>
+          </a:prstGeom>
+          <a:solidFill>
+            <a:schemeClr val="accent2"/>
+          </a:solidFill>
+          <a:ln>
+            <a:solidFill>
+              <a:srgbClr val="FFFF00"/>
+            </a:solidFill>
+          </a:ln>
+        </p:spPr>
+        <p:style>
+          <a:lnRef idx="2">
+            <a:schemeClr val="accent1">
+              <a:shade val="15000"/>
+            </a:schemeClr>
+          </a:lnRef>
+          <a:fillRef idx="1">
+            <a:schemeClr val="accent1"/>
+          </a:fillRef>
+          <a:effectRef idx="0">
+            <a:schemeClr val="accent1"/>
+          </a:effectRef>
+          <a:fontRef idx="minor">
+            <a:schemeClr val="lt1"/>
+          </a:fontRef>
+        </p:style>
+        <p:txBody>
+          <a:bodyPr rtlCol="0" anchor="ctr"/>
+          <a:lstStyle/>
+          <a:p>
+            <a:pPr algn="ctr"/>
+            <a:endParaRPr lang="en-CH"/>
+          </a:p>
+        </p:txBody>
+      </p:sp>
+      <p:cxnSp>
+        <p:nvCxnSpPr>
+          <p:cNvPr id="10" name="Straight Connector 9">
+            <a:extLst>
+              <a:ext uri="{FF2B5EF4-FFF2-40B4-BE49-F238E27FC236}">
+                <a16:creationId xmlns:a16="http://schemas.microsoft.com/office/drawing/2014/main" id="{5D3F3B00-2311-253D-8973-D1E8F11F8385}"/>
+              </a:ext>
+            </a:extLst>
+          </p:cNvPr>
+          <p:cNvCxnSpPr>
+            <a:cxnSpLocks/>
+          </p:cNvCxnSpPr>
+          <p:nvPr/>
+        </p:nvCxnSpPr>
+        <p:spPr>
+          <a:xfrm>
+            <a:off x="4267354" y="4593038"/>
+            <a:ext cx="5291971" cy="0"/>
+          </a:xfrm>
+          <a:prstGeom prst="line">
+            <a:avLst/>
+          </a:prstGeom>
+          <a:ln w="38100">
+            <a:prstDash val="solid"/>
+            <a:tailEnd type="triangle" w="lg" len="med"/>
+          </a:ln>
+        </p:spPr>
+        <p:style>
+          <a:lnRef idx="2">
+            <a:schemeClr val="accent1"/>
+          </a:lnRef>
+          <a:fillRef idx="0">
+            <a:schemeClr val="accent1"/>
+          </a:fillRef>
+          <a:effectRef idx="1">
+            <a:schemeClr val="accent1"/>
+          </a:effectRef>
+          <a:fontRef idx="minor">
+            <a:schemeClr val="tx1"/>
+          </a:fontRef>
+        </p:style>
+      </p:cxnSp>
+      <p:cxnSp>
+        <p:nvCxnSpPr>
+          <p:cNvPr id="15" name="Straight Connector 14">
+            <a:extLst>
+              <a:ext uri="{FF2B5EF4-FFF2-40B4-BE49-F238E27FC236}">
+                <a16:creationId xmlns:a16="http://schemas.microsoft.com/office/drawing/2014/main" id="{6F57B63D-C3DC-6287-C36B-337B25604BC6}"/>
+              </a:ext>
+            </a:extLst>
+          </p:cNvPr>
+          <p:cNvCxnSpPr>
+            <a:cxnSpLocks/>
+          </p:cNvCxnSpPr>
+          <p:nvPr/>
+        </p:nvCxnSpPr>
+        <p:spPr>
+          <a:xfrm>
+            <a:off x="2678498" y="2271013"/>
+            <a:ext cx="5322502" cy="2321"/>
+          </a:xfrm>
+          <a:prstGeom prst="line">
+            <a:avLst/>
+          </a:prstGeom>
+          <a:ln w="38100">
+            <a:prstDash val="solid"/>
+            <a:headEnd type="triangle" w="lg" len="med"/>
+            <a:tailEnd type="none" w="lg" len="med"/>
+          </a:ln>
+        </p:spPr>
+        <p:style>
+          <a:lnRef idx="2">
+            <a:schemeClr val="accent1"/>
+          </a:lnRef>
+          <a:fillRef idx="0">
+            <a:schemeClr val="accent1"/>
+          </a:fillRef>
+          <a:effectRef idx="1">
+            <a:schemeClr val="accent1"/>
+          </a:effectRef>
+          <a:fontRef idx="minor">
+            <a:schemeClr val="tx1"/>
+          </a:fontRef>
+        </p:style>
+      </p:cxnSp>
+      <p:sp>
+        <p:nvSpPr>
+          <p:cNvPr id="18" name="Vertical Scroll 17">
+            <a:extLst>
+              <a:ext uri="{FF2B5EF4-FFF2-40B4-BE49-F238E27FC236}">
+                <a16:creationId xmlns:a16="http://schemas.microsoft.com/office/drawing/2014/main" id="{2E118132-531A-F35D-F43E-45C8D7E05F9C}"/>
+              </a:ext>
+            </a:extLst>
+          </p:cNvPr>
+          <p:cNvSpPr/>
+          <p:nvPr/>
+        </p:nvSpPr>
+        <p:spPr>
+          <a:xfrm>
+            <a:off x="1333338" y="2839858"/>
+            <a:ext cx="1196108" cy="1200329"/>
+          </a:xfrm>
+          <a:prstGeom prst="verticalScroll">
+            <a:avLst/>
+          </a:prstGeom>
+          <a:solidFill>
+            <a:schemeClr val="accent1">
+              <a:lumMod val="20000"/>
+              <a:lumOff val="80000"/>
+            </a:schemeClr>
+          </a:solidFill>
+          <a:ln>
+            <a:solidFill>
+              <a:schemeClr val="accent1">
+                <a:lumMod val="75000"/>
+              </a:schemeClr>
+            </a:solidFill>
+          </a:ln>
+        </p:spPr>
+        <p:style>
+          <a:lnRef idx="2">
+            <a:schemeClr val="accent1">
+              <a:shade val="15000"/>
+            </a:schemeClr>
+          </a:lnRef>
+          <a:fillRef idx="1">
+            <a:schemeClr val="accent1"/>
+          </a:fillRef>
+          <a:effectRef idx="0">
+            <a:schemeClr val="accent1"/>
+          </a:effectRef>
+          <a:fontRef idx="minor">
+            <a:schemeClr val="lt1"/>
+          </a:fontRef>
+        </p:style>
+        <p:txBody>
+          <a:bodyPr rtlCol="0" anchor="ctr"/>
+          <a:lstStyle/>
+          <a:p>
+            <a:pPr algn="ctr"/>
+            <a:r>
+              <a:rPr lang="en-CH" sz="2400" dirty="0">
+                <a:solidFill>
+                  <a:schemeClr val="accent1">
+                    <a:lumMod val="75000"/>
+                  </a:schemeClr>
+                </a:solidFill>
+                <a:latin typeface="Ford Antenna Medium" panose="02000505000000020004" pitchFamily="2" charset="0"/>
+              </a:rPr>
+              <a:t>Doc</a:t>
+            </a:r>
+            <a:endParaRPr lang="en-CH" sz="2000" dirty="0">
+              <a:solidFill>
+                <a:schemeClr val="accent1">
+                  <a:lumMod val="75000"/>
+                </a:schemeClr>
+              </a:solidFill>
+              <a:latin typeface="Ford Antenna Medium" panose="02000505000000020004" pitchFamily="2" charset="0"/>
+            </a:endParaRPr>
+          </a:p>
+        </p:txBody>
+      </p:sp>
+      <p:sp>
+        <p:nvSpPr>
+          <p:cNvPr id="24" name="TextBox 23">
+            <a:extLst>
+              <a:ext uri="{FF2B5EF4-FFF2-40B4-BE49-F238E27FC236}">
+                <a16:creationId xmlns:a16="http://schemas.microsoft.com/office/drawing/2014/main" id="{983D1026-99C7-7194-7D71-26D16B51EC5C}"/>
+              </a:ext>
+            </a:extLst>
+          </p:cNvPr>
+          <p:cNvSpPr txBox="1"/>
+          <p:nvPr/>
+        </p:nvSpPr>
+        <p:spPr>
+          <a:xfrm>
+            <a:off x="6359341" y="4157086"/>
+            <a:ext cx="1107996" cy="1200329"/>
+          </a:xfrm>
+          <a:prstGeom prst="rect">
+            <a:avLst/>
+          </a:prstGeom>
+          <a:noFill/>
+        </p:spPr>
+        <p:txBody>
+          <a:bodyPr wrap="none" rtlCol="0">
+            <a:spAutoFit/>
+          </a:bodyPr>
+          <a:lstStyle/>
+          <a:p>
+            <a:r>
+              <a:rPr lang="en-CH" sz="7200" dirty="0"/>
+              <a:t>😢</a:t>
+            </a:r>
+          </a:p>
+        </p:txBody>
+      </p:sp>
+      <p:sp>
+        <p:nvSpPr>
+          <p:cNvPr id="26" name="TextBox 25">
+            <a:extLst>
+              <a:ext uri="{FF2B5EF4-FFF2-40B4-BE49-F238E27FC236}">
+                <a16:creationId xmlns:a16="http://schemas.microsoft.com/office/drawing/2014/main" id="{11C13642-92DC-0F5A-2423-B754CE76A2B6}"/>
+              </a:ext>
+            </a:extLst>
+          </p:cNvPr>
+          <p:cNvSpPr txBox="1"/>
+          <p:nvPr/>
+        </p:nvSpPr>
+        <p:spPr>
+          <a:xfrm>
+            <a:off x="4924204" y="1858213"/>
+            <a:ext cx="1107996" cy="1200329"/>
+          </a:xfrm>
+          <a:prstGeom prst="rect">
+            <a:avLst/>
+          </a:prstGeom>
+          <a:noFill/>
+        </p:spPr>
+        <p:txBody>
+          <a:bodyPr wrap="square" rtlCol="0">
+            <a:spAutoFit/>
+          </a:bodyPr>
+          <a:lstStyle/>
+          <a:p>
+            <a:r>
+              <a:rPr lang="en-CH" sz="7200" dirty="0"/>
+              <a:t>😓</a:t>
+            </a:r>
+          </a:p>
+        </p:txBody>
+      </p:sp>
+    </p:spTree>
+    <p:extLst>
+      <p:ext uri="{BB962C8B-B14F-4D97-AF65-F5344CB8AC3E}">
+        <p14:creationId xmlns:p14="http://schemas.microsoft.com/office/powerpoint/2010/main" val="2381300932"/>
+      </p:ext>
+    </p:extLst>
+  </p:cSld>
+  <p:clrMapOvr>
+    <a:masterClrMapping/>
+  </p:clrMapOvr>
+</p:sld>
+</file>
+
 <file path=ppt/theme/theme1.xml><?xml version="1.0" encoding="utf-8"?>
 <a:theme xmlns:a="http://schemas.openxmlformats.org/drawingml/2006/main" name="Office Theme">
   <a:themeElements>
